--- a/BANCO DE DADOS.pptx
+++ b/BANCO DE DADOS.pptx
@@ -19423,25 +19423,7 @@
               <a:rPr lang="pt-BR" altLang="pt-BR" sz="2800" b="1" dirty="0" smtClean="0">
                 <a:latin typeface="Calibri" panose="020F0502020204030204" pitchFamily="34" charset="0"/>
               </a:rPr>
-              <a:t>Controlam </a:t>
-            </a:r>
-            <a:r>
-              <a:rPr lang="pt-BR" altLang="pt-BR" sz="2800" b="1" dirty="0" smtClean="0">
-                <a:latin typeface="Calibri" panose="020F0502020204030204" pitchFamily="34" charset="0"/>
-              </a:rPr>
-              <a:t>as </a:t>
-            </a:r>
-            <a:r>
-              <a:rPr lang="pt-BR" altLang="pt-BR" sz="2800" b="1" dirty="0" smtClean="0">
-                <a:latin typeface="Calibri" panose="020F0502020204030204" pitchFamily="34" charset="0"/>
-              </a:rPr>
-              <a:t>transação </a:t>
-            </a:r>
-            <a:r>
-              <a:rPr lang="pt-BR" altLang="pt-BR" sz="2800" b="1" dirty="0" smtClean="0">
-                <a:latin typeface="Calibri" panose="020F0502020204030204" pitchFamily="34" charset="0"/>
-              </a:rPr>
-              <a:t>(ênfase na consistência)</a:t>
+              <a:t>Controlam as transação (ênfase na consistência)</a:t>
             </a:r>
           </a:p>
           <a:p>
@@ -19480,19 +19462,7 @@
               <a:rPr lang="pt-BR" altLang="pt-BR" sz="2800" b="1" dirty="0" smtClean="0">
                 <a:latin typeface="Calibri" panose="020F0502020204030204" pitchFamily="34" charset="0"/>
               </a:rPr>
-              <a:t>Possuem estruturas de melhoria do desempenho na busca de dados </a:t>
-            </a:r>
-            <a:r>
-              <a:rPr lang="pt-BR" altLang="pt-BR" sz="2800" b="1" dirty="0" smtClean="0">
-                <a:latin typeface="Calibri" panose="020F0502020204030204" pitchFamily="34" charset="0"/>
-              </a:rPr>
-              <a:t>- </a:t>
-            </a:r>
-            <a:r>
-              <a:rPr lang="pt-BR" altLang="pt-BR" sz="2800" b="1" dirty="0" smtClean="0">
-                <a:latin typeface="Calibri" panose="020F0502020204030204" pitchFamily="34" charset="0"/>
-              </a:rPr>
-              <a:t>índices</a:t>
+              <a:t>Possuem estruturas de melhoria do desempenho na busca de dados - índices</a:t>
             </a:r>
           </a:p>
           <a:p>
@@ -21945,16 +21915,7 @@
                 </a:solidFill>
                 <a:latin typeface="Calibri" panose="020F0502020204030204" pitchFamily="34" charset="0"/>
               </a:rPr>
-              <a:t>SGBD Relacional – </a:t>
-            </a:r>
-            <a:r>
-              <a:rPr lang="pt-BR" altLang="pt-BR" sz="3600" b="1" kern="0" dirty="0" smtClean="0">
-                <a:solidFill>
-                  <a:srgbClr val="006666"/>
-                </a:solidFill>
-                <a:latin typeface="Calibri" panose="020F0502020204030204" pitchFamily="34" charset="0"/>
-              </a:rPr>
-              <a:t>Modelagem</a:t>
+              <a:t>SGBD Relacional – Modelagem</a:t>
             </a:r>
             <a:endParaRPr lang="en-GB" altLang="pt-BR" sz="3600" b="1" kern="0" dirty="0" smtClean="0">
               <a:solidFill>
@@ -22312,16 +22273,7 @@
                 </a:solidFill>
                 <a:latin typeface="Calibri" panose="020F0502020204030204" pitchFamily="34" charset="0"/>
               </a:rPr>
-              <a:t>SGBD Relacional – </a:t>
-            </a:r>
-            <a:r>
-              <a:rPr lang="pt-BR" altLang="pt-BR" sz="3600" b="1" kern="0" dirty="0" smtClean="0">
-                <a:solidFill>
-                  <a:srgbClr val="006666"/>
-                </a:solidFill>
-                <a:latin typeface="Calibri" panose="020F0502020204030204" pitchFamily="34" charset="0"/>
-              </a:rPr>
-              <a:t>Modelo Entidade Relacionamentos - Conceitual</a:t>
+              <a:t>SGBD Relacional – Modelo Entidade Relacionamentos - Conceitual</a:t>
             </a:r>
             <a:endParaRPr lang="en-GB" altLang="pt-BR" sz="3600" b="1" kern="0" dirty="0" smtClean="0">
               <a:solidFill>
@@ -22621,16 +22573,7 @@
                 </a:solidFill>
                 <a:latin typeface="Calibri" panose="020F0502020204030204" pitchFamily="34" charset="0"/>
               </a:rPr>
-              <a:t>SGBD Relacional – </a:t>
-            </a:r>
-            <a:r>
-              <a:rPr lang="pt-BR" altLang="pt-BR" sz="3600" b="1" kern="0" dirty="0" smtClean="0">
-                <a:solidFill>
-                  <a:srgbClr val="006666"/>
-                </a:solidFill>
-                <a:latin typeface="Calibri" panose="020F0502020204030204" pitchFamily="34" charset="0"/>
-              </a:rPr>
-              <a:t>Diagrama Entidade Relacionamentos - Físico</a:t>
+              <a:t>SGBD Relacional – Diagrama Entidade Relacionamentos - Físico</a:t>
             </a:r>
             <a:endParaRPr lang="en-GB" altLang="pt-BR" sz="3600" b="1" kern="0" dirty="0" smtClean="0">
               <a:solidFill>
@@ -22930,16 +22873,7 @@
                 </a:solidFill>
                 <a:latin typeface="Calibri" panose="020F0502020204030204" pitchFamily="34" charset="0"/>
               </a:rPr>
-              <a:t>SGBD Relacional – </a:t>
-            </a:r>
-            <a:r>
-              <a:rPr lang="pt-BR" altLang="pt-BR" sz="3600" b="1" kern="0" dirty="0" smtClean="0">
-                <a:solidFill>
-                  <a:srgbClr val="006666"/>
-                </a:solidFill>
-                <a:latin typeface="Calibri" panose="020F0502020204030204" pitchFamily="34" charset="0"/>
-              </a:rPr>
-              <a:t>Data </a:t>
+              <a:t>SGBD Relacional – Data </a:t>
             </a:r>
             <a:r>
               <a:rPr lang="pt-BR" altLang="pt-BR" sz="3600" b="1" kern="0" dirty="0" err="1" smtClean="0">
@@ -23266,16 +23200,7 @@
                 </a:solidFill>
                 <a:latin typeface="Calibri" panose="020F0502020204030204" pitchFamily="34" charset="0"/>
               </a:rPr>
-              <a:t>SGBD Relacional – </a:t>
-            </a:r>
-            <a:r>
-              <a:rPr lang="pt-BR" altLang="pt-BR" sz="3600" b="1" kern="0" dirty="0" smtClean="0">
-                <a:solidFill>
-                  <a:srgbClr val="006666"/>
-                </a:solidFill>
-                <a:latin typeface="Calibri" panose="020F0502020204030204" pitchFamily="34" charset="0"/>
-              </a:rPr>
-              <a:t>Álgebra Relacional</a:t>
+              <a:t>SGBD Relacional – Álgebra Relacional</a:t>
             </a:r>
             <a:endParaRPr lang="en-GB" altLang="pt-BR" sz="3600" b="1" kern="0" dirty="0" smtClean="0">
               <a:solidFill>
@@ -23753,16 +23678,7 @@
                 </a:solidFill>
                 <a:latin typeface="Calibri" panose="020F0502020204030204" pitchFamily="34" charset="0"/>
               </a:rPr>
-              <a:t>SGBD Relacional – </a:t>
-            </a:r>
-            <a:r>
-              <a:rPr lang="pt-BR" altLang="pt-BR" sz="3600" b="1" kern="0" dirty="0" smtClean="0">
-                <a:solidFill>
-                  <a:srgbClr val="006666"/>
-                </a:solidFill>
-                <a:latin typeface="Calibri" panose="020F0502020204030204" pitchFamily="34" charset="0"/>
-              </a:rPr>
-              <a:t>Álgebra Relacional</a:t>
+              <a:t>SGBD Relacional – Álgebra Relacional</a:t>
             </a:r>
             <a:endParaRPr lang="en-GB" altLang="pt-BR" sz="3600" b="1" kern="0" dirty="0" smtClean="0">
               <a:solidFill>
@@ -24331,16 +24247,7 @@
                 </a:solidFill>
                 <a:latin typeface="Calibri" panose="020F0502020204030204" pitchFamily="34" charset="0"/>
               </a:rPr>
-              <a:t>SGBD Relacional – </a:t>
-            </a:r>
-            <a:r>
-              <a:rPr lang="pt-BR" altLang="pt-BR" sz="3600" b="1" kern="0" dirty="0" smtClean="0">
-                <a:solidFill>
-                  <a:srgbClr val="006666"/>
-                </a:solidFill>
-                <a:latin typeface="Calibri" panose="020F0502020204030204" pitchFamily="34" charset="0"/>
-              </a:rPr>
-              <a:t>Projeção</a:t>
+              <a:t>SGBD Relacional – Projeção</a:t>
             </a:r>
             <a:endParaRPr lang="en-GB" altLang="pt-BR" sz="3600" b="1" kern="0" dirty="0" smtClean="0">
               <a:solidFill>
@@ -24623,16 +24530,7 @@
                 </a:solidFill>
                 <a:latin typeface="Calibri" panose="020F0502020204030204" pitchFamily="34" charset="0"/>
               </a:rPr>
-              <a:t>SGBD Relacional – </a:t>
-            </a:r>
-            <a:r>
-              <a:rPr lang="pt-BR" altLang="pt-BR" sz="3600" b="1" kern="0" dirty="0" smtClean="0">
-                <a:solidFill>
-                  <a:srgbClr val="006666"/>
-                </a:solidFill>
-                <a:latin typeface="Calibri" panose="020F0502020204030204" pitchFamily="34" charset="0"/>
-              </a:rPr>
-              <a:t>Seleção</a:t>
+              <a:t>SGBD Relacional – Seleção</a:t>
             </a:r>
             <a:endParaRPr lang="en-GB" altLang="pt-BR" sz="3600" b="1" kern="0" dirty="0" smtClean="0">
               <a:solidFill>
@@ -25479,16 +25377,7 @@
                 </a:solidFill>
                 <a:latin typeface="Calibri" panose="020F0502020204030204" pitchFamily="34" charset="0"/>
               </a:rPr>
-              <a:t>SGBD Relacional – </a:t>
-            </a:r>
-            <a:r>
-              <a:rPr lang="pt-BR" altLang="pt-BR" sz="3600" b="1" kern="0" dirty="0" smtClean="0">
-                <a:solidFill>
-                  <a:srgbClr val="006666"/>
-                </a:solidFill>
-                <a:latin typeface="Calibri" panose="020F0502020204030204" pitchFamily="34" charset="0"/>
-              </a:rPr>
-              <a:t>Produto Cartesiano</a:t>
+              <a:t>SGBD Relacional – Produto Cartesiano</a:t>
             </a:r>
             <a:endParaRPr lang="en-GB" altLang="pt-BR" sz="3600" b="1" kern="0" dirty="0" smtClean="0">
               <a:solidFill>
@@ -25771,16 +25660,7 @@
                 </a:solidFill>
                 <a:latin typeface="Calibri" panose="020F0502020204030204" pitchFamily="34" charset="0"/>
               </a:rPr>
-              <a:t>SGBD Relacional – </a:t>
-            </a:r>
-            <a:r>
-              <a:rPr lang="pt-BR" altLang="pt-BR" sz="3600" b="1" kern="0" dirty="0" smtClean="0">
-                <a:solidFill>
-                  <a:srgbClr val="006666"/>
-                </a:solidFill>
-                <a:latin typeface="Calibri" panose="020F0502020204030204" pitchFamily="34" charset="0"/>
-              </a:rPr>
-              <a:t>Junção Natural</a:t>
+              <a:t>SGBD Relacional – Junção Natural</a:t>
             </a:r>
             <a:endParaRPr lang="en-GB" altLang="pt-BR" sz="3600" b="1" kern="0" dirty="0" smtClean="0">
               <a:solidFill>
@@ -26080,16 +25960,7 @@
                 </a:solidFill>
                 <a:latin typeface="Calibri" panose="020F0502020204030204" pitchFamily="34" charset="0"/>
               </a:rPr>
-              <a:t>SGBD Relacional – </a:t>
-            </a:r>
-            <a:r>
-              <a:rPr lang="pt-BR" altLang="pt-BR" sz="3600" b="1" kern="0" dirty="0" smtClean="0">
-                <a:solidFill>
-                  <a:srgbClr val="006666"/>
-                </a:solidFill>
-                <a:latin typeface="Calibri" panose="020F0502020204030204" pitchFamily="34" charset="0"/>
-              </a:rPr>
-              <a:t>Diferença</a:t>
+              <a:t>SGBD Relacional – Diferença</a:t>
             </a:r>
             <a:endParaRPr lang="en-GB" altLang="pt-BR" sz="3600" b="1" kern="0" dirty="0" smtClean="0">
               <a:solidFill>
@@ -26389,16 +26260,7 @@
                 </a:solidFill>
                 <a:latin typeface="Calibri" panose="020F0502020204030204" pitchFamily="34" charset="0"/>
               </a:rPr>
-              <a:t>SGBD Relacional – </a:t>
-            </a:r>
-            <a:r>
-              <a:rPr lang="pt-BR" altLang="pt-BR" sz="3600" b="1" kern="0" dirty="0" smtClean="0">
-                <a:solidFill>
-                  <a:srgbClr val="006666"/>
-                </a:solidFill>
-                <a:latin typeface="Calibri" panose="020F0502020204030204" pitchFamily="34" charset="0"/>
-              </a:rPr>
-              <a:t>Intercessão</a:t>
+              <a:t>SGBD Relacional – Intercessão</a:t>
             </a:r>
             <a:endParaRPr lang="en-GB" altLang="pt-BR" sz="3600" b="1" kern="0" dirty="0" smtClean="0">
               <a:solidFill>
@@ -26681,16 +26543,7 @@
                 </a:solidFill>
                 <a:latin typeface="Calibri" panose="020F0502020204030204" pitchFamily="34" charset="0"/>
               </a:rPr>
-              <a:t>SGBD Relacional – </a:t>
-            </a:r>
-            <a:r>
-              <a:rPr lang="pt-BR" altLang="pt-BR" sz="3600" b="1" kern="0" dirty="0" smtClean="0">
-                <a:solidFill>
-                  <a:srgbClr val="006666"/>
-                </a:solidFill>
-                <a:latin typeface="Calibri" panose="020F0502020204030204" pitchFamily="34" charset="0"/>
-              </a:rPr>
-              <a:t>União</a:t>
+              <a:t>SGBD Relacional – União</a:t>
             </a:r>
             <a:endParaRPr lang="en-GB" altLang="pt-BR" sz="3600" b="1" kern="0" dirty="0" smtClean="0">
               <a:solidFill>
@@ -32648,17 +32501,8 @@
               <a:rPr lang="pt-BR" altLang="pt-BR" sz="2800" b="1" dirty="0" smtClean="0">
                 <a:latin typeface="Calibri" panose="020F0502020204030204" pitchFamily="34" charset="0"/>
               </a:rPr>
-              <a:t>Armazena os dados como um grafo direcionado com atributos no nós e </a:t>
+              <a:t>Armazena os dados como um grafo direcionado com atributos no nós e nas arestas</a:t>
             </a:r>
-            <a:r>
-              <a:rPr lang="pt-BR" altLang="pt-BR" sz="2800" b="1" dirty="0" smtClean="0">
-                <a:latin typeface="Calibri" panose="020F0502020204030204" pitchFamily="34" charset="0"/>
-              </a:rPr>
-              <a:t>nas arestas</a:t>
-            </a:r>
-            <a:endParaRPr lang="pt-BR" altLang="pt-BR" sz="2800" b="1" dirty="0" smtClean="0">
-              <a:latin typeface="Calibri" panose="020F0502020204030204" pitchFamily="34" charset="0"/>
-            </a:endParaRPr>
           </a:p>
           <a:p>
             <a:pPr marL="457200" indent="-457200" eaLnBrk="1" hangingPunct="1">
@@ -35513,10 +35357,10 @@
           <a:p>
             <a:pPr algn="ctr"/>
             <a:r>
-              <a:rPr lang="pt-BR" sz="4800" b="1" kern="0" dirty="0" smtClean="0">
+              <a:rPr lang="pt-BR" sz="4800" b="1" kern="0" smtClean="0">
                 <a:latin typeface="Calibri" panose="020F0502020204030204" pitchFamily="34" charset="0"/>
               </a:rPr>
-              <a:t>Álgebra e Cálculo Relacional</a:t>
+              <a:t>Linguagem SQL</a:t>
             </a:r>
             <a:endParaRPr lang="pt-BR" sz="4800" dirty="0"/>
           </a:p>
